--- a/Создание API для игры.pptx
+++ b/Создание API для игры.pptx
@@ -5,28 +5,23 @@
     <p:sldMasterId id="2147483678" r:id="rId1"/>
   </p:sldMasterIdLst>
   <p:notesMasterIdLst>
-    <p:notesMasterId r:id="rId21"/>
+    <p:notesMasterId r:id="rId16"/>
   </p:notesMasterIdLst>
   <p:sldIdLst>
     <p:sldId id="256" r:id="rId2"/>
     <p:sldId id="257" r:id="rId3"/>
     <p:sldId id="264" r:id="rId4"/>
     <p:sldId id="280" r:id="rId5"/>
-    <p:sldId id="258" r:id="rId6"/>
-    <p:sldId id="276" r:id="rId7"/>
-    <p:sldId id="259" r:id="rId8"/>
-    <p:sldId id="277" r:id="rId9"/>
-    <p:sldId id="260" r:id="rId10"/>
-    <p:sldId id="278" r:id="rId11"/>
-    <p:sldId id="261" r:id="rId12"/>
-    <p:sldId id="279" r:id="rId13"/>
-    <p:sldId id="266" r:id="rId14"/>
-    <p:sldId id="273" r:id="rId15"/>
-    <p:sldId id="272" r:id="rId16"/>
-    <p:sldId id="267" r:id="rId17"/>
-    <p:sldId id="275" r:id="rId18"/>
-    <p:sldId id="269" r:id="rId19"/>
-    <p:sldId id="270" r:id="rId20"/>
+    <p:sldId id="281" r:id="rId6"/>
+    <p:sldId id="282" r:id="rId7"/>
+    <p:sldId id="283" r:id="rId8"/>
+    <p:sldId id="266" r:id="rId9"/>
+    <p:sldId id="273" r:id="rId10"/>
+    <p:sldId id="272" r:id="rId11"/>
+    <p:sldId id="267" r:id="rId12"/>
+    <p:sldId id="275" r:id="rId13"/>
+    <p:sldId id="269" r:id="rId14"/>
+    <p:sldId id="270" r:id="rId15"/>
   </p:sldIdLst>
   <p:sldSz cx="12192000" cy="6858000"/>
   <p:notesSz cx="6858000" cy="9144000"/>
@@ -3836,10 +3831,10 @@
       </p:grpSpPr>
       <p:pic>
         <p:nvPicPr>
-          <p:cNvPr id="2" name="Content Placeholder 4">
-            <a:extLst>
-              <a:ext uri="{FF2B5EF4-FFF2-40B4-BE49-F238E27FC236}">
-                <a16:creationId xmlns:a16="http://schemas.microsoft.com/office/drawing/2014/main" id="{709925B1-931A-4174-8F9A-8A41F3DE3037}"/>
+          <p:cNvPr id="9" name="Picture 8">
+            <a:extLst>
+              <a:ext uri="{FF2B5EF4-FFF2-40B4-BE49-F238E27FC236}">
+                <a16:creationId xmlns:a16="http://schemas.microsoft.com/office/drawing/2014/main" id="{82957FBB-3807-4AAE-A7B1-84FDDD62DE2E}"/>
               </a:ext>
             </a:extLst>
           </p:cNvPr>
@@ -3849,7 +3844,13 @@
           <p:nvPr/>
         </p:nvPicPr>
         <p:blipFill>
-          <a:blip r:embed="rId2"/>
+          <a:blip r:embed="rId2">
+            <a:extLst>
+              <a:ext uri="{28A0092B-C50C-407E-A947-70E740481C1C}">
+                <a14:useLocalDpi xmlns:a14="http://schemas.microsoft.com/office/drawing/2010/main" val="0"/>
+              </a:ext>
+            </a:extLst>
+          </a:blip>
           <a:stretch>
             <a:fillRect/>
           </a:stretch>
@@ -3864,10 +3865,73 @@
           </a:prstGeom>
         </p:spPr>
       </p:pic>
+      <p:sp>
+        <p:nvSpPr>
+          <p:cNvPr id="2" name="Title 1">
+            <a:extLst>
+              <a:ext uri="{FF2B5EF4-FFF2-40B4-BE49-F238E27FC236}">
+                <a16:creationId xmlns:a16="http://schemas.microsoft.com/office/drawing/2014/main" id="{F73E3AC4-8DD9-44C6-9A0D-62F3C9947EBC}"/>
+              </a:ext>
+            </a:extLst>
+          </p:cNvPr>
+          <p:cNvSpPr>
+            <a:spLocks noGrp="1"/>
+          </p:cNvSpPr>
+          <p:nvPr>
+            <p:ph type="title"/>
+          </p:nvPr>
+        </p:nvSpPr>
+        <p:spPr>
+          <a:xfrm>
+            <a:off x="904188" y="1"/>
+            <a:ext cx="10515600" cy="933254"/>
+          </a:xfrm>
+        </p:spPr>
+        <p:txBody>
+          <a:bodyPr/>
+          <a:lstStyle/>
+          <a:p>
+            <a:pPr algn="ctr"/>
+            <a:r>
+              <a:rPr lang="ru-RU" dirty="0">
+                <a:solidFill>
+                  <a:schemeClr val="bg1"/>
+                </a:solidFill>
+              </a:rPr>
+              <a:t>Создание сессии</a:t>
+            </a:r>
+          </a:p>
+        </p:txBody>
+      </p:sp>
+      <p:sp>
+        <p:nvSpPr>
+          <p:cNvPr id="11" name="Content Placeholder 10">
+            <a:extLst>
+              <a:ext uri="{FF2B5EF4-FFF2-40B4-BE49-F238E27FC236}">
+                <a16:creationId xmlns:a16="http://schemas.microsoft.com/office/drawing/2014/main" id="{D07A1113-9231-497C-BCED-16ECF107464D}"/>
+              </a:ext>
+            </a:extLst>
+          </p:cNvPr>
+          <p:cNvSpPr>
+            <a:spLocks noGrp="1"/>
+          </p:cNvSpPr>
+          <p:nvPr>
+            <p:ph idx="1"/>
+          </p:nvPr>
+        </p:nvSpPr>
+        <p:spPr/>
+        <p:txBody>
+          <a:bodyPr/>
+          <a:lstStyle/>
+          <a:p>
+            <a:endParaRPr lang="ru-RU"/>
+          </a:p>
+        </p:txBody>
+      </p:sp>
     </p:spTree>
     <p:extLst>
       <p:ext uri="{BB962C8B-B14F-4D97-AF65-F5344CB8AC3E}">
-        <p14:creationId xmlns:p14="http://schemas.microsoft.com/office/powerpoint/2010/main" val="2549376592"/>
+        <p14:creationId xmlns:p14="http://schemas.microsoft.com/office/powerpoint/2010/main" val="925882478"/>
       </p:ext>
     </p:extLst>
   </p:cSld>
@@ -3899,7 +3963,7 @@
           <p:cNvPr id="2" name="Title 1">
             <a:extLst>
               <a:ext uri="{FF2B5EF4-FFF2-40B4-BE49-F238E27FC236}">
-                <a16:creationId xmlns:a16="http://schemas.microsoft.com/office/drawing/2014/main" id="{BCB65B1E-10B9-4875-A01D-720752117C71}"/>
+                <a16:creationId xmlns:a16="http://schemas.microsoft.com/office/drawing/2014/main" id="{892722EF-F9BD-4AE7-A7C7-13C214DE023E}"/>
               </a:ext>
             </a:extLst>
           </p:cNvPr>
@@ -3910,32 +3974,30 @@
             <p:ph type="title"/>
           </p:nvPr>
         </p:nvSpPr>
-        <p:spPr>
-          <a:xfrm>
-            <a:off x="838200" y="365124"/>
-            <a:ext cx="10515600" cy="1603883"/>
-          </a:xfrm>
-        </p:spPr>
-        <p:txBody>
-          <a:bodyPr>
-            <a:normAutofit fontScale="90000"/>
-          </a:bodyPr>
+        <p:spPr/>
+        <p:txBody>
+          <a:bodyPr/>
           <a:lstStyle/>
           <a:p>
             <a:pPr algn="ctr"/>
             <a:r>
               <a:rPr lang="ru-RU" dirty="0"/>
-              <a:t>Таблица статистики игроков: Отслеживание результатов для каждого участника (победы, поражения, ничьи).</a:t>
-            </a:r>
-          </a:p>
-        </p:txBody>
-      </p:sp>
-      <p:sp>
-        <p:nvSpPr>
-          <p:cNvPr id="4" name="Content Placeholder 3">
-            <a:extLst>
-              <a:ext uri="{FF2B5EF4-FFF2-40B4-BE49-F238E27FC236}">
-                <a16:creationId xmlns:a16="http://schemas.microsoft.com/office/drawing/2014/main" id="{42000F63-7769-416A-8475-E7BD00B138B9}"/>
+              <a:t>Тестирование с использованием </a:t>
+            </a:r>
+            <a:r>
+              <a:rPr lang="en-US" dirty="0"/>
+              <a:t>Swagger</a:t>
+            </a:r>
+            <a:endParaRPr lang="ru-RU" dirty="0"/>
+          </a:p>
+        </p:txBody>
+      </p:sp>
+      <p:sp>
+        <p:nvSpPr>
+          <p:cNvPr id="3" name="Content Placeholder 2">
+            <a:extLst>
+              <a:ext uri="{FF2B5EF4-FFF2-40B4-BE49-F238E27FC236}">
+                <a16:creationId xmlns:a16="http://schemas.microsoft.com/office/drawing/2014/main" id="{69670B5E-7465-454C-985F-CE1ED9B87F6E}"/>
               </a:ext>
             </a:extLst>
           </p:cNvPr>
@@ -3951,14 +4013,46 @@
           <a:bodyPr/>
           <a:lstStyle/>
           <a:p>
-            <a:endParaRPr lang="ru-RU"/>
+            <a:pPr marL="0" indent="0">
+              <a:buNone/>
+            </a:pPr>
+            <a:r>
+              <a:rPr lang="ru-RU" dirty="0"/>
+              <a:t>Введение в </a:t>
+            </a:r>
+            <a:r>
+              <a:rPr lang="en-US" dirty="0"/>
+              <a:t>Swagger</a:t>
+            </a:r>
+            <a:r>
+              <a:rPr lang="ru-RU" dirty="0"/>
+              <a:t>: Роль и функционал инструмента в тестировании API.</a:t>
+            </a:r>
+          </a:p>
+          <a:p>
+            <a:pPr marL="0" indent="0">
+              <a:buNone/>
+            </a:pPr>
+            <a:r>
+              <a:rPr lang="ru-RU" dirty="0"/>
+              <a:t>Демонстрация тестовых запросов: Иллюстрация тестовых запросов для игры "Камень, ножницы, бумага".</a:t>
+            </a:r>
+          </a:p>
+          <a:p>
+            <a:pPr marL="0" indent="0">
+              <a:buNone/>
+            </a:pPr>
+            <a:r>
+              <a:rPr lang="ru-RU" dirty="0"/>
+              <a:t>Показ результатов тестирования: Представление результатов тестирования.</a:t>
+            </a:r>
           </a:p>
         </p:txBody>
       </p:sp>
     </p:spTree>
     <p:extLst>
       <p:ext uri="{BB962C8B-B14F-4D97-AF65-F5344CB8AC3E}">
-        <p14:creationId xmlns:p14="http://schemas.microsoft.com/office/powerpoint/2010/main" val="161959906"/>
+        <p14:creationId xmlns:p14="http://schemas.microsoft.com/office/powerpoint/2010/main" val="2754749081"/>
       </p:ext>
     </p:extLst>
   </p:cSld>
@@ -3987,17 +4081,19 @@
       </p:grpSpPr>
       <p:pic>
         <p:nvPicPr>
-          <p:cNvPr id="2" name="Content Placeholder 4">
-            <a:extLst>
-              <a:ext uri="{FF2B5EF4-FFF2-40B4-BE49-F238E27FC236}">
-                <a16:creationId xmlns:a16="http://schemas.microsoft.com/office/drawing/2014/main" id="{3DE0B34C-189D-4209-A045-2E35A5A88FBE}"/>
+          <p:cNvPr id="5" name="Content Placeholder 4">
+            <a:extLst>
+              <a:ext uri="{FF2B5EF4-FFF2-40B4-BE49-F238E27FC236}">
+                <a16:creationId xmlns:a16="http://schemas.microsoft.com/office/drawing/2014/main" id="{026CE6FA-F9D7-455F-9A3B-495B18CC695C}"/>
               </a:ext>
             </a:extLst>
           </p:cNvPr>
           <p:cNvPicPr>
-            <a:picLocks noChangeAspect="1"/>
+            <a:picLocks noGrp="1" noChangeAspect="1"/>
           </p:cNvPicPr>
-          <p:nvPr/>
+          <p:nvPr>
+            <p:ph idx="1"/>
+          </p:nvPr>
         </p:nvPicPr>
         <p:blipFill>
           <a:blip r:embed="rId2"/>
@@ -4008,17 +4104,48 @@
         <p:spPr>
           <a:xfrm>
             <a:off x="0" y="0"/>
-            <a:ext cx="12192000" cy="6857999"/>
+            <a:ext cx="12192000" cy="6858000"/>
           </a:xfrm>
-          <a:prstGeom prst="rect">
-            <a:avLst/>
-          </a:prstGeom>
         </p:spPr>
       </p:pic>
+      <p:sp>
+        <p:nvSpPr>
+          <p:cNvPr id="2" name="Title 1">
+            <a:extLst>
+              <a:ext uri="{FF2B5EF4-FFF2-40B4-BE49-F238E27FC236}">
+                <a16:creationId xmlns:a16="http://schemas.microsoft.com/office/drawing/2014/main" id="{01C43C68-9FD9-474B-BFD3-F1D625D7150E}"/>
+              </a:ext>
+            </a:extLst>
+          </p:cNvPr>
+          <p:cNvSpPr>
+            <a:spLocks noGrp="1"/>
+          </p:cNvSpPr>
+          <p:nvPr>
+            <p:ph type="title"/>
+          </p:nvPr>
+        </p:nvSpPr>
+        <p:spPr>
+          <a:xfrm>
+            <a:off x="838200" y="252003"/>
+            <a:ext cx="10515600" cy="1325563"/>
+          </a:xfrm>
+        </p:spPr>
+        <p:txBody>
+          <a:bodyPr/>
+          <a:lstStyle/>
+          <a:p>
+            <a:pPr algn="ctr"/>
+            <a:r>
+              <a:rPr lang="ru-RU" dirty="0"/>
+              <a:t>Пример тестового запроса </a:t>
+            </a:r>
+          </a:p>
+        </p:txBody>
+      </p:sp>
     </p:spTree>
     <p:extLst>
       <p:ext uri="{BB962C8B-B14F-4D97-AF65-F5344CB8AC3E}">
-        <p14:creationId xmlns:p14="http://schemas.microsoft.com/office/powerpoint/2010/main" val="3445631402"/>
+        <p14:creationId xmlns:p14="http://schemas.microsoft.com/office/powerpoint/2010/main" val="691945703"/>
       </p:ext>
     </p:extLst>
   </p:cSld>
@@ -4050,556 +4177,6 @@
           <p:cNvPr id="2" name="Title 1">
             <a:extLst>
               <a:ext uri="{FF2B5EF4-FFF2-40B4-BE49-F238E27FC236}">
-                <a16:creationId xmlns:a16="http://schemas.microsoft.com/office/drawing/2014/main" id="{8725782E-19EC-4C6E-96AC-FD189C0CF333}"/>
-              </a:ext>
-            </a:extLst>
-          </p:cNvPr>
-          <p:cNvSpPr>
-            <a:spLocks noGrp="1"/>
-          </p:cNvSpPr>
-          <p:nvPr>
-            <p:ph type="title"/>
-          </p:nvPr>
-        </p:nvSpPr>
-        <p:spPr/>
-        <p:txBody>
-          <a:bodyPr/>
-          <a:lstStyle/>
-          <a:p>
-            <a:pPr algn="ctr"/>
-            <a:r>
-              <a:rPr lang="ru-RU" dirty="0"/>
-              <a:t>Демонстрация создания </a:t>
-            </a:r>
-            <a:r>
-              <a:rPr lang="en-US" dirty="0"/>
-              <a:t>API</a:t>
-            </a:r>
-            <a:endParaRPr lang="ru-RU" dirty="0"/>
-          </a:p>
-        </p:txBody>
-      </p:sp>
-      <p:sp>
-        <p:nvSpPr>
-          <p:cNvPr id="3" name="Content Placeholder 2">
-            <a:extLst>
-              <a:ext uri="{FF2B5EF4-FFF2-40B4-BE49-F238E27FC236}">
-                <a16:creationId xmlns:a16="http://schemas.microsoft.com/office/drawing/2014/main" id="{73C19126-21C8-4A1C-A318-E9E66CEBB6E1}"/>
-              </a:ext>
-            </a:extLst>
-          </p:cNvPr>
-          <p:cNvSpPr>
-            <a:spLocks noGrp="1"/>
-          </p:cNvSpPr>
-          <p:nvPr>
-            <p:ph idx="1"/>
-          </p:nvPr>
-        </p:nvSpPr>
-        <p:spPr/>
-        <p:txBody>
-          <a:bodyPr/>
-          <a:lstStyle/>
-          <a:p>
-            <a:pPr marL="0" indent="0">
-              <a:buNone/>
-            </a:pPr>
-            <a:r>
-              <a:rPr lang="ru-RU" dirty="0"/>
-              <a:t>Иллюстрации кода: Показ примеров кода, включая обработку запросов.</a:t>
-            </a:r>
-          </a:p>
-          <a:p>
-            <a:pPr marL="0" indent="0">
-              <a:buNone/>
-            </a:pPr>
-            <a:endParaRPr lang="ru-RU" dirty="0"/>
-          </a:p>
-          <a:p>
-            <a:endParaRPr lang="ru-RU" dirty="0"/>
-          </a:p>
-        </p:txBody>
-      </p:sp>
-    </p:spTree>
-    <p:extLst>
-      <p:ext uri="{BB962C8B-B14F-4D97-AF65-F5344CB8AC3E}">
-        <p14:creationId xmlns:p14="http://schemas.microsoft.com/office/powerpoint/2010/main" val="442464447"/>
-      </p:ext>
-    </p:extLst>
-  </p:cSld>
-  <p:clrMapOvr>
-    <a:masterClrMapping/>
-  </p:clrMapOvr>
-</p:sld>
-</file>
-
-<file path=ppt/slides/slide14.xml><?xml version="1.0" encoding="utf-8"?>
-<p:sld xmlns:a="http://schemas.openxmlformats.org/drawingml/2006/main" xmlns:r="http://schemas.openxmlformats.org/officeDocument/2006/relationships" xmlns:p="http://schemas.openxmlformats.org/presentationml/2006/main">
-  <p:cSld>
-    <p:spTree>
-      <p:nvGrpSpPr>
-        <p:cNvPr id="1" name=""/>
-        <p:cNvGrpSpPr/>
-        <p:nvPr/>
-      </p:nvGrpSpPr>
-      <p:grpSpPr>
-        <a:xfrm>
-          <a:off x="0" y="0"/>
-          <a:ext cx="0" cy="0"/>
-          <a:chOff x="0" y="0"/>
-          <a:chExt cx="0" cy="0"/>
-        </a:xfrm>
-      </p:grpSpPr>
-      <p:pic>
-        <p:nvPicPr>
-          <p:cNvPr id="5" name="Content Placeholder 4">
-            <a:extLst>
-              <a:ext uri="{FF2B5EF4-FFF2-40B4-BE49-F238E27FC236}">
-                <a16:creationId xmlns:a16="http://schemas.microsoft.com/office/drawing/2014/main" id="{AFF99A8E-6E9F-4C42-A87B-DD1A782C485F}"/>
-              </a:ext>
-            </a:extLst>
-          </p:cNvPr>
-          <p:cNvPicPr>
-            <a:picLocks noGrp="1" noChangeAspect="1"/>
-          </p:cNvPicPr>
-          <p:nvPr>
-            <p:ph idx="1"/>
-          </p:nvPr>
-        </p:nvPicPr>
-        <p:blipFill>
-          <a:blip r:embed="rId2">
-            <a:extLst>
-              <a:ext uri="{28A0092B-C50C-407E-A947-70E740481C1C}">
-                <a14:useLocalDpi xmlns:a14="http://schemas.microsoft.com/office/drawing/2010/main" val="0"/>
-              </a:ext>
-            </a:extLst>
-          </a:blip>
-          <a:stretch>
-            <a:fillRect/>
-          </a:stretch>
-        </p:blipFill>
-        <p:spPr>
-          <a:xfrm>
-            <a:off x="-437" y="0"/>
-            <a:ext cx="12192437" cy="6857999"/>
-          </a:xfrm>
-        </p:spPr>
-      </p:pic>
-      <p:sp>
-        <p:nvSpPr>
-          <p:cNvPr id="2" name="Title 1">
-            <a:extLst>
-              <a:ext uri="{FF2B5EF4-FFF2-40B4-BE49-F238E27FC236}">
-                <a16:creationId xmlns:a16="http://schemas.microsoft.com/office/drawing/2014/main" id="{2F985AB2-0943-4FC1-A8B6-B91861C2EDA4}"/>
-              </a:ext>
-            </a:extLst>
-          </p:cNvPr>
-          <p:cNvSpPr>
-            <a:spLocks noGrp="1"/>
-          </p:cNvSpPr>
-          <p:nvPr>
-            <p:ph type="title"/>
-          </p:nvPr>
-        </p:nvSpPr>
-        <p:spPr>
-          <a:xfrm>
-            <a:off x="725078" y="1"/>
-            <a:ext cx="10515600" cy="848412"/>
-          </a:xfrm>
-        </p:spPr>
-        <p:txBody>
-          <a:bodyPr/>
-          <a:lstStyle/>
-          <a:p>
-            <a:pPr algn="ctr"/>
-            <a:r>
-              <a:rPr lang="ru-RU" dirty="0">
-                <a:solidFill>
-                  <a:schemeClr val="bg1"/>
-                </a:solidFill>
-              </a:rPr>
-              <a:t>Обработка запросов</a:t>
-            </a:r>
-          </a:p>
-        </p:txBody>
-      </p:sp>
-    </p:spTree>
-    <p:extLst>
-      <p:ext uri="{BB962C8B-B14F-4D97-AF65-F5344CB8AC3E}">
-        <p14:creationId xmlns:p14="http://schemas.microsoft.com/office/powerpoint/2010/main" val="24665053"/>
-      </p:ext>
-    </p:extLst>
-  </p:cSld>
-  <p:clrMapOvr>
-    <a:masterClrMapping/>
-  </p:clrMapOvr>
-</p:sld>
-</file>
-
-<file path=ppt/slides/slide15.xml><?xml version="1.0" encoding="utf-8"?>
-<p:sld xmlns:a="http://schemas.openxmlformats.org/drawingml/2006/main" xmlns:r="http://schemas.openxmlformats.org/officeDocument/2006/relationships" xmlns:p="http://schemas.openxmlformats.org/presentationml/2006/main">
-  <p:cSld>
-    <p:spTree>
-      <p:nvGrpSpPr>
-        <p:cNvPr id="1" name=""/>
-        <p:cNvGrpSpPr/>
-        <p:nvPr/>
-      </p:nvGrpSpPr>
-      <p:grpSpPr>
-        <a:xfrm>
-          <a:off x="0" y="0"/>
-          <a:ext cx="0" cy="0"/>
-          <a:chOff x="0" y="0"/>
-          <a:chExt cx="0" cy="0"/>
-        </a:xfrm>
-      </p:grpSpPr>
-      <p:pic>
-        <p:nvPicPr>
-          <p:cNvPr id="9" name="Picture 8">
-            <a:extLst>
-              <a:ext uri="{FF2B5EF4-FFF2-40B4-BE49-F238E27FC236}">
-                <a16:creationId xmlns:a16="http://schemas.microsoft.com/office/drawing/2014/main" id="{82957FBB-3807-4AAE-A7B1-84FDDD62DE2E}"/>
-              </a:ext>
-            </a:extLst>
-          </p:cNvPr>
-          <p:cNvPicPr>
-            <a:picLocks noChangeAspect="1"/>
-          </p:cNvPicPr>
-          <p:nvPr/>
-        </p:nvPicPr>
-        <p:blipFill>
-          <a:blip r:embed="rId2">
-            <a:extLst>
-              <a:ext uri="{28A0092B-C50C-407E-A947-70E740481C1C}">
-                <a14:useLocalDpi xmlns:a14="http://schemas.microsoft.com/office/drawing/2010/main" val="0"/>
-              </a:ext>
-            </a:extLst>
-          </a:blip>
-          <a:stretch>
-            <a:fillRect/>
-          </a:stretch>
-        </p:blipFill>
-        <p:spPr>
-          <a:xfrm>
-            <a:off x="0" y="0"/>
-            <a:ext cx="12192000" cy="6858000"/>
-          </a:xfrm>
-          <a:prstGeom prst="rect">
-            <a:avLst/>
-          </a:prstGeom>
-        </p:spPr>
-      </p:pic>
-      <p:sp>
-        <p:nvSpPr>
-          <p:cNvPr id="2" name="Title 1">
-            <a:extLst>
-              <a:ext uri="{FF2B5EF4-FFF2-40B4-BE49-F238E27FC236}">
-                <a16:creationId xmlns:a16="http://schemas.microsoft.com/office/drawing/2014/main" id="{F73E3AC4-8DD9-44C6-9A0D-62F3C9947EBC}"/>
-              </a:ext>
-            </a:extLst>
-          </p:cNvPr>
-          <p:cNvSpPr>
-            <a:spLocks noGrp="1"/>
-          </p:cNvSpPr>
-          <p:nvPr>
-            <p:ph type="title"/>
-          </p:nvPr>
-        </p:nvSpPr>
-        <p:spPr>
-          <a:xfrm>
-            <a:off x="904188" y="1"/>
-            <a:ext cx="10515600" cy="933254"/>
-          </a:xfrm>
-        </p:spPr>
-        <p:txBody>
-          <a:bodyPr/>
-          <a:lstStyle/>
-          <a:p>
-            <a:pPr algn="ctr"/>
-            <a:r>
-              <a:rPr lang="ru-RU" dirty="0">
-                <a:solidFill>
-                  <a:schemeClr val="bg1"/>
-                </a:solidFill>
-              </a:rPr>
-              <a:t>Создание сессии</a:t>
-            </a:r>
-          </a:p>
-        </p:txBody>
-      </p:sp>
-      <p:sp>
-        <p:nvSpPr>
-          <p:cNvPr id="11" name="Content Placeholder 10">
-            <a:extLst>
-              <a:ext uri="{FF2B5EF4-FFF2-40B4-BE49-F238E27FC236}">
-                <a16:creationId xmlns:a16="http://schemas.microsoft.com/office/drawing/2014/main" id="{D07A1113-9231-497C-BCED-16ECF107464D}"/>
-              </a:ext>
-            </a:extLst>
-          </p:cNvPr>
-          <p:cNvSpPr>
-            <a:spLocks noGrp="1"/>
-          </p:cNvSpPr>
-          <p:nvPr>
-            <p:ph idx="1"/>
-          </p:nvPr>
-        </p:nvSpPr>
-        <p:spPr/>
-        <p:txBody>
-          <a:bodyPr/>
-          <a:lstStyle/>
-          <a:p>
-            <a:endParaRPr lang="ru-RU"/>
-          </a:p>
-        </p:txBody>
-      </p:sp>
-    </p:spTree>
-    <p:extLst>
-      <p:ext uri="{BB962C8B-B14F-4D97-AF65-F5344CB8AC3E}">
-        <p14:creationId xmlns:p14="http://schemas.microsoft.com/office/powerpoint/2010/main" val="925882478"/>
-      </p:ext>
-    </p:extLst>
-  </p:cSld>
-  <p:clrMapOvr>
-    <a:masterClrMapping/>
-  </p:clrMapOvr>
-</p:sld>
-</file>
-
-<file path=ppt/slides/slide16.xml><?xml version="1.0" encoding="utf-8"?>
-<p:sld xmlns:a="http://schemas.openxmlformats.org/drawingml/2006/main" xmlns:r="http://schemas.openxmlformats.org/officeDocument/2006/relationships" xmlns:p="http://schemas.openxmlformats.org/presentationml/2006/main">
-  <p:cSld>
-    <p:spTree>
-      <p:nvGrpSpPr>
-        <p:cNvPr id="1" name=""/>
-        <p:cNvGrpSpPr/>
-        <p:nvPr/>
-      </p:nvGrpSpPr>
-      <p:grpSpPr>
-        <a:xfrm>
-          <a:off x="0" y="0"/>
-          <a:ext cx="0" cy="0"/>
-          <a:chOff x="0" y="0"/>
-          <a:chExt cx="0" cy="0"/>
-        </a:xfrm>
-      </p:grpSpPr>
-      <p:sp>
-        <p:nvSpPr>
-          <p:cNvPr id="2" name="Title 1">
-            <a:extLst>
-              <a:ext uri="{FF2B5EF4-FFF2-40B4-BE49-F238E27FC236}">
-                <a16:creationId xmlns:a16="http://schemas.microsoft.com/office/drawing/2014/main" id="{892722EF-F9BD-4AE7-A7C7-13C214DE023E}"/>
-              </a:ext>
-            </a:extLst>
-          </p:cNvPr>
-          <p:cNvSpPr>
-            <a:spLocks noGrp="1"/>
-          </p:cNvSpPr>
-          <p:nvPr>
-            <p:ph type="title"/>
-          </p:nvPr>
-        </p:nvSpPr>
-        <p:spPr/>
-        <p:txBody>
-          <a:bodyPr/>
-          <a:lstStyle/>
-          <a:p>
-            <a:pPr algn="ctr"/>
-            <a:r>
-              <a:rPr lang="ru-RU" dirty="0"/>
-              <a:t>Тестирование с использованием </a:t>
-            </a:r>
-            <a:r>
-              <a:rPr lang="en-US" dirty="0"/>
-              <a:t>Swagger</a:t>
-            </a:r>
-            <a:endParaRPr lang="ru-RU" dirty="0"/>
-          </a:p>
-        </p:txBody>
-      </p:sp>
-      <p:sp>
-        <p:nvSpPr>
-          <p:cNvPr id="3" name="Content Placeholder 2">
-            <a:extLst>
-              <a:ext uri="{FF2B5EF4-FFF2-40B4-BE49-F238E27FC236}">
-                <a16:creationId xmlns:a16="http://schemas.microsoft.com/office/drawing/2014/main" id="{69670B5E-7465-454C-985F-CE1ED9B87F6E}"/>
-              </a:ext>
-            </a:extLst>
-          </p:cNvPr>
-          <p:cNvSpPr>
-            <a:spLocks noGrp="1"/>
-          </p:cNvSpPr>
-          <p:nvPr>
-            <p:ph idx="1"/>
-          </p:nvPr>
-        </p:nvSpPr>
-        <p:spPr/>
-        <p:txBody>
-          <a:bodyPr/>
-          <a:lstStyle/>
-          <a:p>
-            <a:pPr marL="0" indent="0">
-              <a:buNone/>
-            </a:pPr>
-            <a:r>
-              <a:rPr lang="ru-RU" dirty="0"/>
-              <a:t>Введение в </a:t>
-            </a:r>
-            <a:r>
-              <a:rPr lang="en-US" dirty="0"/>
-              <a:t>Swagger</a:t>
-            </a:r>
-            <a:r>
-              <a:rPr lang="ru-RU" dirty="0"/>
-              <a:t>: Роль и функционал инструмента в тестировании API.</a:t>
-            </a:r>
-          </a:p>
-          <a:p>
-            <a:pPr marL="0" indent="0">
-              <a:buNone/>
-            </a:pPr>
-            <a:r>
-              <a:rPr lang="ru-RU" dirty="0"/>
-              <a:t>Демонстрация тестовых запросов: Иллюстрация тестовых запросов для игры "Камень, ножницы, бумага".</a:t>
-            </a:r>
-          </a:p>
-          <a:p>
-            <a:pPr marL="0" indent="0">
-              <a:buNone/>
-            </a:pPr>
-            <a:r>
-              <a:rPr lang="ru-RU" dirty="0"/>
-              <a:t>Показ результатов тестирования: Представление результатов тестирования.</a:t>
-            </a:r>
-          </a:p>
-        </p:txBody>
-      </p:sp>
-    </p:spTree>
-    <p:extLst>
-      <p:ext uri="{BB962C8B-B14F-4D97-AF65-F5344CB8AC3E}">
-        <p14:creationId xmlns:p14="http://schemas.microsoft.com/office/powerpoint/2010/main" val="2754749081"/>
-      </p:ext>
-    </p:extLst>
-  </p:cSld>
-  <p:clrMapOvr>
-    <a:masterClrMapping/>
-  </p:clrMapOvr>
-</p:sld>
-</file>
-
-<file path=ppt/slides/slide17.xml><?xml version="1.0" encoding="utf-8"?>
-<p:sld xmlns:a="http://schemas.openxmlformats.org/drawingml/2006/main" xmlns:r="http://schemas.openxmlformats.org/officeDocument/2006/relationships" xmlns:p="http://schemas.openxmlformats.org/presentationml/2006/main">
-  <p:cSld>
-    <p:spTree>
-      <p:nvGrpSpPr>
-        <p:cNvPr id="1" name=""/>
-        <p:cNvGrpSpPr/>
-        <p:nvPr/>
-      </p:nvGrpSpPr>
-      <p:grpSpPr>
-        <a:xfrm>
-          <a:off x="0" y="0"/>
-          <a:ext cx="0" cy="0"/>
-          <a:chOff x="0" y="0"/>
-          <a:chExt cx="0" cy="0"/>
-        </a:xfrm>
-      </p:grpSpPr>
-      <p:pic>
-        <p:nvPicPr>
-          <p:cNvPr id="5" name="Content Placeholder 4">
-            <a:extLst>
-              <a:ext uri="{FF2B5EF4-FFF2-40B4-BE49-F238E27FC236}">
-                <a16:creationId xmlns:a16="http://schemas.microsoft.com/office/drawing/2014/main" id="{026CE6FA-F9D7-455F-9A3B-495B18CC695C}"/>
-              </a:ext>
-            </a:extLst>
-          </p:cNvPr>
-          <p:cNvPicPr>
-            <a:picLocks noGrp="1" noChangeAspect="1"/>
-          </p:cNvPicPr>
-          <p:nvPr>
-            <p:ph idx="1"/>
-          </p:nvPr>
-        </p:nvPicPr>
-        <p:blipFill>
-          <a:blip r:embed="rId2"/>
-          <a:stretch>
-            <a:fillRect/>
-          </a:stretch>
-        </p:blipFill>
-        <p:spPr>
-          <a:xfrm>
-            <a:off x="0" y="0"/>
-            <a:ext cx="12192000" cy="6858000"/>
-          </a:xfrm>
-        </p:spPr>
-      </p:pic>
-      <p:sp>
-        <p:nvSpPr>
-          <p:cNvPr id="2" name="Title 1">
-            <a:extLst>
-              <a:ext uri="{FF2B5EF4-FFF2-40B4-BE49-F238E27FC236}">
-                <a16:creationId xmlns:a16="http://schemas.microsoft.com/office/drawing/2014/main" id="{01C43C68-9FD9-474B-BFD3-F1D625D7150E}"/>
-              </a:ext>
-            </a:extLst>
-          </p:cNvPr>
-          <p:cNvSpPr>
-            <a:spLocks noGrp="1"/>
-          </p:cNvSpPr>
-          <p:nvPr>
-            <p:ph type="title"/>
-          </p:nvPr>
-        </p:nvSpPr>
-        <p:spPr>
-          <a:xfrm>
-            <a:off x="838200" y="-96788"/>
-            <a:ext cx="10515600" cy="1325563"/>
-          </a:xfrm>
-        </p:spPr>
-        <p:txBody>
-          <a:bodyPr/>
-          <a:lstStyle/>
-          <a:p>
-            <a:pPr algn="ctr"/>
-            <a:r>
-              <a:rPr lang="ru-RU" dirty="0"/>
-              <a:t>Пример тестового запроса </a:t>
-            </a:r>
-          </a:p>
-        </p:txBody>
-      </p:sp>
-    </p:spTree>
-    <p:extLst>
-      <p:ext uri="{BB962C8B-B14F-4D97-AF65-F5344CB8AC3E}">
-        <p14:creationId xmlns:p14="http://schemas.microsoft.com/office/powerpoint/2010/main" val="691945703"/>
-      </p:ext>
-    </p:extLst>
-  </p:cSld>
-  <p:clrMapOvr>
-    <a:masterClrMapping/>
-  </p:clrMapOvr>
-</p:sld>
-</file>
-
-<file path=ppt/slides/slide18.xml><?xml version="1.0" encoding="utf-8"?>
-<p:sld xmlns:a="http://schemas.openxmlformats.org/drawingml/2006/main" xmlns:r="http://schemas.openxmlformats.org/officeDocument/2006/relationships" xmlns:p="http://schemas.openxmlformats.org/presentationml/2006/main">
-  <p:cSld>
-    <p:spTree>
-      <p:nvGrpSpPr>
-        <p:cNvPr id="1" name=""/>
-        <p:cNvGrpSpPr/>
-        <p:nvPr/>
-      </p:nvGrpSpPr>
-      <p:grpSpPr>
-        <a:xfrm>
-          <a:off x="0" y="0"/>
-          <a:ext cx="0" cy="0"/>
-          <a:chOff x="0" y="0"/>
-          <a:chExt cx="0" cy="0"/>
-        </a:xfrm>
-      </p:grpSpPr>
-      <p:sp>
-        <p:nvSpPr>
-          <p:cNvPr id="2" name="Title 1">
-            <a:extLst>
-              <a:ext uri="{FF2B5EF4-FFF2-40B4-BE49-F238E27FC236}">
                 <a16:creationId xmlns:a16="http://schemas.microsoft.com/office/drawing/2014/main" id="{78904BBF-353D-4EC5-B340-84A05B6D0EFB}"/>
               </a:ext>
             </a:extLst>
@@ -4677,7 +4254,7 @@
 </p:sld>
 </file>
 
-<file path=ppt/slides/slide19.xml><?xml version="1.0" encoding="utf-8"?>
+<file path=ppt/slides/slide14.xml><?xml version="1.0" encoding="utf-8"?>
 <p:sld xmlns:a="http://schemas.openxmlformats.org/drawingml/2006/main" xmlns:r="http://schemas.openxmlformats.org/officeDocument/2006/relationships" xmlns:p="http://schemas.openxmlformats.org/presentationml/2006/main">
   <p:cSld>
     <p:spTree>
@@ -5025,7 +4602,7 @@
         </p:nvSpPr>
         <p:spPr>
           <a:xfrm>
-            <a:off x="1121004" y="308564"/>
+            <a:off x="838200" y="1072135"/>
             <a:ext cx="10515600" cy="1325563"/>
           </a:xfrm>
         </p:spPr>
@@ -5071,12 +4648,44 @@
           <a:chExt cx="0" cy="0"/>
         </a:xfrm>
       </p:grpSpPr>
+      <p:pic>
+        <p:nvPicPr>
+          <p:cNvPr id="4" name="Content Placeholder 4">
+            <a:extLst>
+              <a:ext uri="{FF2B5EF4-FFF2-40B4-BE49-F238E27FC236}">
+                <a16:creationId xmlns:a16="http://schemas.microsoft.com/office/drawing/2014/main" id="{80D1DCE4-EE0E-4923-BD0C-B7C2EB8B4FEB}"/>
+              </a:ext>
+            </a:extLst>
+          </p:cNvPr>
+          <p:cNvPicPr>
+            <a:picLocks noGrp="1" noChangeAspect="1"/>
+          </p:cNvPicPr>
+          <p:nvPr>
+            <p:ph idx="1"/>
+          </p:nvPr>
+        </p:nvPicPr>
+        <p:blipFill>
+          <a:blip r:embed="rId2"/>
+          <a:stretch>
+            <a:fillRect/>
+          </a:stretch>
+        </p:blipFill>
+        <p:spPr>
+          <a:xfrm>
+            <a:off x="0" y="0"/>
+            <a:ext cx="12192000" cy="6858000"/>
+          </a:xfrm>
+          <a:prstGeom prst="rect">
+            <a:avLst/>
+          </a:prstGeom>
+        </p:spPr>
+      </p:pic>
       <p:sp>
         <p:nvSpPr>
           <p:cNvPr id="2" name="Title 1">
             <a:extLst>
               <a:ext uri="{FF2B5EF4-FFF2-40B4-BE49-F238E27FC236}">
-                <a16:creationId xmlns:a16="http://schemas.microsoft.com/office/drawing/2014/main" id="{4E797389-26F8-42D0-9FFB-758A3679B28F}"/>
+                <a16:creationId xmlns:a16="http://schemas.microsoft.com/office/drawing/2014/main" id="{E99E5B1A-5CE2-4127-949C-CF7D8379AF9F}"/>
               </a:ext>
             </a:extLst>
           </p:cNvPr>
@@ -5087,7 +4696,12 @@
             <p:ph type="title"/>
           </p:nvPr>
         </p:nvSpPr>
-        <p:spPr/>
+        <p:spPr>
+          <a:xfrm>
+            <a:off x="838200" y="393405"/>
+            <a:ext cx="10515600" cy="1325563"/>
+          </a:xfrm>
+        </p:spPr>
         <p:txBody>
           <a:bodyPr/>
           <a:lstStyle/>
@@ -5095,50 +4709,15 @@
             <a:pPr algn="ctr"/>
             <a:r>
               <a:rPr lang="ru-RU" dirty="0"/>
-              <a:t>Описание игры "Камень, ножницы, бумага"</a:t>
-            </a:r>
-          </a:p>
-        </p:txBody>
-      </p:sp>
-      <p:sp>
-        <p:nvSpPr>
-          <p:cNvPr id="3" name="Content Placeholder 2">
-            <a:extLst>
-              <a:ext uri="{FF2B5EF4-FFF2-40B4-BE49-F238E27FC236}">
-                <a16:creationId xmlns:a16="http://schemas.microsoft.com/office/drawing/2014/main" id="{0ACEE126-6419-4916-AFA0-2A8C78196933}"/>
-              </a:ext>
-            </a:extLst>
-          </p:cNvPr>
-          <p:cNvSpPr>
-            <a:spLocks noGrp="1"/>
-          </p:cNvSpPr>
-          <p:nvPr>
-            <p:ph idx="1"/>
-          </p:nvPr>
-        </p:nvSpPr>
-        <p:spPr/>
-        <p:txBody>
-          <a:bodyPr/>
-          <a:lstStyle/>
-          <a:p>
-            <a:pPr marL="0" indent="0" algn="ctr">
-              <a:buNone/>
-            </a:pPr>
-            <a:r>
-              <a:rPr lang="ru-RU" dirty="0"/>
-              <a:t>Таблица созданных игровых ссесий: Хранение данных о каждой игровой сессии, включая уникальный.</a:t>
-            </a:r>
-          </a:p>
-          <a:p>
-            <a:pPr algn="ctr"/>
-            <a:endParaRPr lang="ru-RU" dirty="0"/>
+              <a:t>Создание игры</a:t>
+            </a:r>
           </a:p>
         </p:txBody>
       </p:sp>
     </p:spTree>
     <p:extLst>
       <p:ext uri="{BB962C8B-B14F-4D97-AF65-F5344CB8AC3E}">
-        <p14:creationId xmlns:p14="http://schemas.microsoft.com/office/powerpoint/2010/main" val="1325417845"/>
+        <p14:creationId xmlns:p14="http://schemas.microsoft.com/office/powerpoint/2010/main" val="1686935541"/>
       </p:ext>
     </p:extLst>
   </p:cSld>
@@ -5167,17 +4746,19 @@
       </p:grpSpPr>
       <p:pic>
         <p:nvPicPr>
-          <p:cNvPr id="2" name="Picture 1">
-            <a:extLst>
-              <a:ext uri="{FF2B5EF4-FFF2-40B4-BE49-F238E27FC236}">
-                <a16:creationId xmlns:a16="http://schemas.microsoft.com/office/drawing/2014/main" id="{6266D6AA-DC40-4A73-8C57-FD2E019EDBCE}"/>
+          <p:cNvPr id="4" name="Content Placeholder 4">
+            <a:extLst>
+              <a:ext uri="{FF2B5EF4-FFF2-40B4-BE49-F238E27FC236}">
+                <a16:creationId xmlns:a16="http://schemas.microsoft.com/office/drawing/2014/main" id="{F3A59AAB-E282-4A82-85CD-E8629FC523D7}"/>
               </a:ext>
             </a:extLst>
           </p:cNvPr>
           <p:cNvPicPr>
-            <a:picLocks noChangeAspect="1"/>
+            <a:picLocks noGrp="1" noChangeAspect="1"/>
           </p:cNvPicPr>
-          <p:nvPr/>
+          <p:nvPr>
+            <p:ph idx="1"/>
+          </p:nvPr>
         </p:nvPicPr>
         <p:blipFill>
           <a:blip r:embed="rId2"/>
@@ -5187,18 +4768,52 @@
         </p:blipFill>
         <p:spPr>
           <a:xfrm>
-            <a:off x="1" y="-94268"/>
-            <a:ext cx="12192000" cy="6952268"/>
+            <a:off x="0" y="0"/>
+            <a:ext cx="12192000" cy="6858000"/>
           </a:xfrm>
           <a:prstGeom prst="rect">
             <a:avLst/>
           </a:prstGeom>
         </p:spPr>
       </p:pic>
+      <p:sp>
+        <p:nvSpPr>
+          <p:cNvPr id="2" name="Title 1">
+            <a:extLst>
+              <a:ext uri="{FF2B5EF4-FFF2-40B4-BE49-F238E27FC236}">
+                <a16:creationId xmlns:a16="http://schemas.microsoft.com/office/drawing/2014/main" id="{7BA1717D-5A69-4245-9176-C334DF2A559D}"/>
+              </a:ext>
+            </a:extLst>
+          </p:cNvPr>
+          <p:cNvSpPr>
+            <a:spLocks noGrp="1"/>
+          </p:cNvSpPr>
+          <p:nvPr>
+            <p:ph type="title"/>
+          </p:nvPr>
+        </p:nvSpPr>
+        <p:spPr>
+          <a:xfrm>
+            <a:off x="838200" y="499620"/>
+            <a:ext cx="10515600" cy="1325563"/>
+          </a:xfrm>
+        </p:spPr>
+        <p:txBody>
+          <a:bodyPr/>
+          <a:lstStyle/>
+          <a:p>
+            <a:pPr algn="ctr"/>
+            <a:r>
+              <a:rPr lang="ru-RU" dirty="0"/>
+              <a:t>Присоединение к игре</a:t>
+            </a:r>
+          </a:p>
+        </p:txBody>
+      </p:sp>
     </p:spTree>
     <p:extLst>
       <p:ext uri="{BB962C8B-B14F-4D97-AF65-F5344CB8AC3E}">
-        <p14:creationId xmlns:p14="http://schemas.microsoft.com/office/powerpoint/2010/main" val="3296255108"/>
+        <p14:creationId xmlns:p14="http://schemas.microsoft.com/office/powerpoint/2010/main" val="491146123"/>
       </p:ext>
     </p:extLst>
   </p:cSld>
@@ -5225,12 +4840,44 @@
           <a:chExt cx="0" cy="0"/>
         </a:xfrm>
       </p:grpSpPr>
+      <p:pic>
+        <p:nvPicPr>
+          <p:cNvPr id="4" name="Content Placeholder 4">
+            <a:extLst>
+              <a:ext uri="{FF2B5EF4-FFF2-40B4-BE49-F238E27FC236}">
+                <a16:creationId xmlns:a16="http://schemas.microsoft.com/office/drawing/2014/main" id="{D54EAE25-B6F0-470B-996B-50C589E8D14D}"/>
+              </a:ext>
+            </a:extLst>
+          </p:cNvPr>
+          <p:cNvPicPr>
+            <a:picLocks noGrp="1" noChangeAspect="1"/>
+          </p:cNvPicPr>
+          <p:nvPr>
+            <p:ph idx="1"/>
+          </p:nvPr>
+        </p:nvPicPr>
+        <p:blipFill>
+          <a:blip r:embed="rId2"/>
+          <a:stretch>
+            <a:fillRect/>
+          </a:stretch>
+        </p:blipFill>
+        <p:spPr>
+          <a:xfrm>
+            <a:off x="0" y="0"/>
+            <a:ext cx="12192000" cy="6857999"/>
+          </a:xfrm>
+          <a:prstGeom prst="rect">
+            <a:avLst/>
+          </a:prstGeom>
+        </p:spPr>
+      </p:pic>
       <p:sp>
         <p:nvSpPr>
           <p:cNvPr id="2" name="Title 1">
             <a:extLst>
               <a:ext uri="{FF2B5EF4-FFF2-40B4-BE49-F238E27FC236}">
-                <a16:creationId xmlns:a16="http://schemas.microsoft.com/office/drawing/2014/main" id="{B5B5C5F8-7CBF-4DD8-9267-03F04BC14BDE}"/>
+                <a16:creationId xmlns:a16="http://schemas.microsoft.com/office/drawing/2014/main" id="{2C328439-2F82-47FD-A214-326A5C3A68B8}"/>
               </a:ext>
             </a:extLst>
           </p:cNvPr>
@@ -5241,50 +4888,28 @@
             <p:ph type="title"/>
           </p:nvPr>
         </p:nvSpPr>
-        <p:spPr/>
-        <p:txBody>
-          <a:bodyPr>
-            <a:normAutofit fontScale="90000"/>
-          </a:bodyPr>
+        <p:spPr>
+          <a:xfrm>
+            <a:off x="659091" y="1156976"/>
+            <a:ext cx="10515600" cy="1325563"/>
+          </a:xfrm>
+        </p:spPr>
+        <p:txBody>
+          <a:bodyPr/>
           <a:lstStyle/>
           <a:p>
             <a:pPr algn="ctr"/>
             <a:r>
               <a:rPr lang="ru-RU" dirty="0"/>
-              <a:t>Создание игры: Указание количества раундов и возможность присоединения игроков.</a:t>
-            </a:r>
-          </a:p>
-        </p:txBody>
-      </p:sp>
-      <p:sp>
-        <p:nvSpPr>
-          <p:cNvPr id="4" name="Content Placeholder 3">
-            <a:extLst>
-              <a:ext uri="{FF2B5EF4-FFF2-40B4-BE49-F238E27FC236}">
-                <a16:creationId xmlns:a16="http://schemas.microsoft.com/office/drawing/2014/main" id="{8AD151ED-BDCE-4603-84C5-11A92BFC6AF2}"/>
-              </a:ext>
-            </a:extLst>
-          </p:cNvPr>
-          <p:cNvSpPr>
-            <a:spLocks noGrp="1"/>
-          </p:cNvSpPr>
-          <p:nvPr>
-            <p:ph idx="1"/>
-          </p:nvPr>
-        </p:nvSpPr>
-        <p:spPr/>
-        <p:txBody>
-          <a:bodyPr/>
-          <a:lstStyle/>
-          <a:p>
-            <a:endParaRPr lang="ru-RU"/>
+              <a:t>Таблица статистики игроков</a:t>
+            </a:r>
           </a:p>
         </p:txBody>
       </p:sp>
     </p:spTree>
     <p:extLst>
       <p:ext uri="{BB962C8B-B14F-4D97-AF65-F5344CB8AC3E}">
-        <p14:creationId xmlns:p14="http://schemas.microsoft.com/office/powerpoint/2010/main" val="1271750436"/>
+        <p14:creationId xmlns:p14="http://schemas.microsoft.com/office/powerpoint/2010/main" val="1701022252"/>
       </p:ext>
     </p:extLst>
   </p:cSld>
@@ -5311,40 +4936,84 @@
           <a:chExt cx="0" cy="0"/>
         </a:xfrm>
       </p:grpSpPr>
-      <p:pic>
-        <p:nvPicPr>
-          <p:cNvPr id="2" name="Content Placeholder 4">
-            <a:extLst>
-              <a:ext uri="{FF2B5EF4-FFF2-40B4-BE49-F238E27FC236}">
-                <a16:creationId xmlns:a16="http://schemas.microsoft.com/office/drawing/2014/main" id="{5B5117CD-6948-43C6-A042-A4C45D27F6CE}"/>
-              </a:ext>
-            </a:extLst>
-          </p:cNvPr>
-          <p:cNvPicPr>
-            <a:picLocks noChangeAspect="1"/>
-          </p:cNvPicPr>
-          <p:nvPr/>
-        </p:nvPicPr>
-        <p:blipFill>
-          <a:blip r:embed="rId2"/>
-          <a:stretch>
-            <a:fillRect/>
-          </a:stretch>
-        </p:blipFill>
-        <p:spPr>
-          <a:xfrm>
-            <a:off x="0" y="0"/>
-            <a:ext cx="12192000" cy="6858000"/>
-          </a:xfrm>
-          <a:prstGeom prst="rect">
-            <a:avLst/>
-          </a:prstGeom>
-        </p:spPr>
-      </p:pic>
+      <p:sp>
+        <p:nvSpPr>
+          <p:cNvPr id="2" name="Title 1">
+            <a:extLst>
+              <a:ext uri="{FF2B5EF4-FFF2-40B4-BE49-F238E27FC236}">
+                <a16:creationId xmlns:a16="http://schemas.microsoft.com/office/drawing/2014/main" id="{8725782E-19EC-4C6E-96AC-FD189C0CF333}"/>
+              </a:ext>
+            </a:extLst>
+          </p:cNvPr>
+          <p:cNvSpPr>
+            <a:spLocks noGrp="1"/>
+          </p:cNvSpPr>
+          <p:nvPr>
+            <p:ph type="title"/>
+          </p:nvPr>
+        </p:nvSpPr>
+        <p:spPr/>
+        <p:txBody>
+          <a:bodyPr/>
+          <a:lstStyle/>
+          <a:p>
+            <a:pPr algn="ctr"/>
+            <a:r>
+              <a:rPr lang="ru-RU" dirty="0"/>
+              <a:t>Демонстрация создания </a:t>
+            </a:r>
+            <a:r>
+              <a:rPr lang="en-US" dirty="0"/>
+              <a:t>API</a:t>
+            </a:r>
+            <a:endParaRPr lang="ru-RU" dirty="0"/>
+          </a:p>
+        </p:txBody>
+      </p:sp>
+      <p:sp>
+        <p:nvSpPr>
+          <p:cNvPr id="3" name="Content Placeholder 2">
+            <a:extLst>
+              <a:ext uri="{FF2B5EF4-FFF2-40B4-BE49-F238E27FC236}">
+                <a16:creationId xmlns:a16="http://schemas.microsoft.com/office/drawing/2014/main" id="{73C19126-21C8-4A1C-A318-E9E66CEBB6E1}"/>
+              </a:ext>
+            </a:extLst>
+          </p:cNvPr>
+          <p:cNvSpPr>
+            <a:spLocks noGrp="1"/>
+          </p:cNvSpPr>
+          <p:nvPr>
+            <p:ph idx="1"/>
+          </p:nvPr>
+        </p:nvSpPr>
+        <p:spPr/>
+        <p:txBody>
+          <a:bodyPr/>
+          <a:lstStyle/>
+          <a:p>
+            <a:pPr marL="0" indent="0">
+              <a:buNone/>
+            </a:pPr>
+            <a:r>
+              <a:rPr lang="ru-RU" dirty="0"/>
+              <a:t>Иллюстрации кода: Показ примеров кода, включая обработку запросов.</a:t>
+            </a:r>
+          </a:p>
+          <a:p>
+            <a:pPr marL="0" indent="0">
+              <a:buNone/>
+            </a:pPr>
+            <a:endParaRPr lang="ru-RU" dirty="0"/>
+          </a:p>
+          <a:p>
+            <a:endParaRPr lang="ru-RU" dirty="0"/>
+          </a:p>
+        </p:txBody>
+      </p:sp>
     </p:spTree>
     <p:extLst>
       <p:ext uri="{BB962C8B-B14F-4D97-AF65-F5344CB8AC3E}">
-        <p14:creationId xmlns:p14="http://schemas.microsoft.com/office/powerpoint/2010/main" val="2421326776"/>
+        <p14:creationId xmlns:p14="http://schemas.microsoft.com/office/powerpoint/2010/main" val="442464447"/>
       </p:ext>
     </p:extLst>
   </p:cSld>
@@ -5371,12 +5040,47 @@
           <a:chExt cx="0" cy="0"/>
         </a:xfrm>
       </p:grpSpPr>
+      <p:pic>
+        <p:nvPicPr>
+          <p:cNvPr id="5" name="Content Placeholder 4">
+            <a:extLst>
+              <a:ext uri="{FF2B5EF4-FFF2-40B4-BE49-F238E27FC236}">
+                <a16:creationId xmlns:a16="http://schemas.microsoft.com/office/drawing/2014/main" id="{AFF99A8E-6E9F-4C42-A87B-DD1A782C485F}"/>
+              </a:ext>
+            </a:extLst>
+          </p:cNvPr>
+          <p:cNvPicPr>
+            <a:picLocks noGrp="1" noChangeAspect="1"/>
+          </p:cNvPicPr>
+          <p:nvPr>
+            <p:ph idx="1"/>
+          </p:nvPr>
+        </p:nvPicPr>
+        <p:blipFill>
+          <a:blip r:embed="rId2">
+            <a:extLst>
+              <a:ext uri="{28A0092B-C50C-407E-A947-70E740481C1C}">
+                <a14:useLocalDpi xmlns:a14="http://schemas.microsoft.com/office/drawing/2010/main" val="0"/>
+              </a:ext>
+            </a:extLst>
+          </a:blip>
+          <a:stretch>
+            <a:fillRect/>
+          </a:stretch>
+        </p:blipFill>
+        <p:spPr>
+          <a:xfrm>
+            <a:off x="-437" y="0"/>
+            <a:ext cx="12192437" cy="6857999"/>
+          </a:xfrm>
+        </p:spPr>
+      </p:pic>
       <p:sp>
         <p:nvSpPr>
           <p:cNvPr id="2" name="Title 1">
             <a:extLst>
               <a:ext uri="{FF2B5EF4-FFF2-40B4-BE49-F238E27FC236}">
-                <a16:creationId xmlns:a16="http://schemas.microsoft.com/office/drawing/2014/main" id="{29D7CF4A-854F-4924-93AD-8ED3853ABE73}"/>
+                <a16:creationId xmlns:a16="http://schemas.microsoft.com/office/drawing/2014/main" id="{2F985AB2-0943-4FC1-A8B6-B91861C2EDA4}"/>
               </a:ext>
             </a:extLst>
           </p:cNvPr>
@@ -5387,48 +5091,32 @@
             <p:ph type="title"/>
           </p:nvPr>
         </p:nvSpPr>
-        <p:spPr/>
+        <p:spPr>
+          <a:xfrm>
+            <a:off x="725078" y="1"/>
+            <a:ext cx="10515600" cy="848412"/>
+          </a:xfrm>
+        </p:spPr>
         <p:txBody>
           <a:bodyPr/>
           <a:lstStyle/>
           <a:p>
             <a:pPr algn="ctr"/>
             <a:r>
-              <a:rPr lang="ru-RU" dirty="0"/>
-              <a:t>Присоединение: Игроки могут присоединиться к существующей игре.</a:t>
-            </a:r>
-          </a:p>
-        </p:txBody>
-      </p:sp>
-      <p:sp>
-        <p:nvSpPr>
-          <p:cNvPr id="4" name="Content Placeholder 3">
-            <a:extLst>
-              <a:ext uri="{FF2B5EF4-FFF2-40B4-BE49-F238E27FC236}">
-                <a16:creationId xmlns:a16="http://schemas.microsoft.com/office/drawing/2014/main" id="{3B217A2D-B4B8-4CA6-ABA3-175BD5E928F3}"/>
-              </a:ext>
-            </a:extLst>
-          </p:cNvPr>
-          <p:cNvSpPr>
-            <a:spLocks noGrp="1"/>
-          </p:cNvSpPr>
-          <p:nvPr>
-            <p:ph idx="1"/>
-          </p:nvPr>
-        </p:nvSpPr>
-        <p:spPr/>
-        <p:txBody>
-          <a:bodyPr/>
-          <a:lstStyle/>
-          <a:p>
-            <a:endParaRPr lang="ru-RU"/>
+              <a:rPr lang="ru-RU" dirty="0">
+                <a:solidFill>
+                  <a:schemeClr val="bg1"/>
+                </a:solidFill>
+              </a:rPr>
+              <a:t>Обработка запросов</a:t>
+            </a:r>
           </a:p>
         </p:txBody>
       </p:sp>
     </p:spTree>
     <p:extLst>
       <p:ext uri="{BB962C8B-B14F-4D97-AF65-F5344CB8AC3E}">
-        <p14:creationId xmlns:p14="http://schemas.microsoft.com/office/powerpoint/2010/main" val="30769823"/>
+        <p14:creationId xmlns:p14="http://schemas.microsoft.com/office/powerpoint/2010/main" val="24665053"/>
       </p:ext>
     </p:extLst>
   </p:cSld>
